--- a/watermark_template.pptx
+++ b/watermark_template.pptx
@@ -104,7 +104,89 @@
       </a:defRPr>
     </a:lvl9pPr>
   </p:defaultTextStyle>
+  <p:extLst>
+    <p:ext uri="{EFAFB233-063F-42B5-8137-9DF3F51BA10A}">
+      <p15:sldGuideLst xmlns:p15="http://schemas.microsoft.com/office/powerpoint/2012/main"/>
+    </p:ext>
+  </p:extLst>
 </p:presentation>
+</file>
+
+<file path=ppt/changesInfos/changesInfo1.xml><?xml version="1.0" encoding="utf-8"?>
+<pc:chgInfo xmlns:a="http://schemas.openxmlformats.org/drawingml/2006/main" xmlns:r="http://schemas.openxmlformats.org/officeDocument/2006/relationships" xmlns:ac="http://schemas.microsoft.com/office/drawing/2013/main/command" xmlns:pc="http://schemas.microsoft.com/office/powerpoint/2013/main/command">
+  <pc:docChgLst>
+    <pc:chgData name="BEEUWSAERT Wim (ENGIE Belgium)" userId="e5b4b689-60cd-4d1a-817f-86b4fbd783a9" providerId="ADAL" clId="{25D6B001-0A20-4A29-B0B1-18B31B56A9D8}"/>
+    <pc:docChg chg="undo custSel modSld">
+      <pc:chgData name="BEEUWSAERT Wim (ENGIE Belgium)" userId="e5b4b689-60cd-4d1a-817f-86b4fbd783a9" providerId="ADAL" clId="{25D6B001-0A20-4A29-B0B1-18B31B56A9D8}" dt="2023-12-26T18:09:46.560" v="12" actId="164"/>
+      <pc:docMkLst>
+        <pc:docMk/>
+      </pc:docMkLst>
+      <pc:sldChg chg="addSp delSp modSp mod">
+        <pc:chgData name="BEEUWSAERT Wim (ENGIE Belgium)" userId="e5b4b689-60cd-4d1a-817f-86b4fbd783a9" providerId="ADAL" clId="{25D6B001-0A20-4A29-B0B1-18B31B56A9D8}" dt="2023-12-26T18:09:46.560" v="12" actId="164"/>
+        <pc:sldMkLst>
+          <pc:docMk/>
+          <pc:sldMk cId="2974901428" sldId="256"/>
+        </pc:sldMkLst>
+        <pc:spChg chg="add mod">
+          <ac:chgData name="BEEUWSAERT Wim (ENGIE Belgium)" userId="e5b4b689-60cd-4d1a-817f-86b4fbd783a9" providerId="ADAL" clId="{25D6B001-0A20-4A29-B0B1-18B31B56A9D8}" dt="2023-12-26T18:09:46.560" v="12" actId="164"/>
+          <ac:spMkLst>
+            <pc:docMk/>
+            <pc:sldMk cId="2974901428" sldId="256"/>
+            <ac:spMk id="5" creationId="{F2868E6F-6513-E4BB-F70F-7623D609F378}"/>
+          </ac:spMkLst>
+        </pc:spChg>
+        <pc:spChg chg="add del mod topLvl">
+          <ac:chgData name="BEEUWSAERT Wim (ENGIE Belgium)" userId="e5b4b689-60cd-4d1a-817f-86b4fbd783a9" providerId="ADAL" clId="{25D6B001-0A20-4A29-B0B1-18B31B56A9D8}" dt="2023-12-26T18:09:35.759" v="10" actId="255"/>
+          <ac:spMkLst>
+            <pc:docMk/>
+            <pc:sldMk cId="2974901428" sldId="256"/>
+            <ac:spMk id="6" creationId="{AB3912F3-FBD9-41AD-9FFA-64B762B6280B}"/>
+          </ac:spMkLst>
+        </pc:spChg>
+        <pc:grpChg chg="add mod">
+          <ac:chgData name="BEEUWSAERT Wim (ENGIE Belgium)" userId="e5b4b689-60cd-4d1a-817f-86b4fbd783a9" providerId="ADAL" clId="{25D6B001-0A20-4A29-B0B1-18B31B56A9D8}" dt="2023-12-26T18:09:46.560" v="12" actId="164"/>
+          <ac:grpSpMkLst>
+            <pc:docMk/>
+            <pc:sldMk cId="2974901428" sldId="256"/>
+            <ac:grpSpMk id="7" creationId="{FE91F3CA-E421-0E0A-ACB9-F67FCBE6F01B}"/>
+          </ac:grpSpMkLst>
+        </pc:grpChg>
+        <pc:grpChg chg="add del">
+          <ac:chgData name="BEEUWSAERT Wim (ENGIE Belgium)" userId="e5b4b689-60cd-4d1a-817f-86b4fbd783a9" providerId="ADAL" clId="{25D6B001-0A20-4A29-B0B1-18B31B56A9D8}" dt="2023-12-26T18:08:46.822" v="2" actId="165"/>
+          <ac:grpSpMkLst>
+            <pc:docMk/>
+            <pc:sldMk cId="2974901428" sldId="256"/>
+            <ac:grpSpMk id="21" creationId="{DA5043F5-9256-4D4C-98BA-1E8C07D313A4}"/>
+          </ac:grpSpMkLst>
+        </pc:grpChg>
+        <pc:picChg chg="add mod ord">
+          <ac:chgData name="BEEUWSAERT Wim (ENGIE Belgium)" userId="e5b4b689-60cd-4d1a-817f-86b4fbd783a9" providerId="ADAL" clId="{25D6B001-0A20-4A29-B0B1-18B31B56A9D8}" dt="2023-12-26T18:09:25.981" v="9" actId="167"/>
+          <ac:picMkLst>
+            <pc:docMk/>
+            <pc:sldMk cId="2974901428" sldId="256"/>
+            <ac:picMk id="3" creationId="{BFE0E098-5F5B-510E-7862-46A4B88AA984}"/>
+          </ac:picMkLst>
+        </pc:picChg>
+        <pc:picChg chg="add mod">
+          <ac:chgData name="BEEUWSAERT Wim (ENGIE Belgium)" userId="e5b4b689-60cd-4d1a-817f-86b4fbd783a9" providerId="ADAL" clId="{25D6B001-0A20-4A29-B0B1-18B31B56A9D8}" dt="2023-12-26T18:09:46.560" v="12" actId="164"/>
+          <ac:picMkLst>
+            <pc:docMk/>
+            <pc:sldMk cId="2974901428" sldId="256"/>
+            <ac:picMk id="4" creationId="{941377C5-4688-DDEF-4802-6AE0005AC2D9}"/>
+          </ac:picMkLst>
+        </pc:picChg>
+        <pc:picChg chg="add del mod topLvl">
+          <ac:chgData name="BEEUWSAERT Wim (ENGIE Belgium)" userId="e5b4b689-60cd-4d1a-817f-86b4fbd783a9" providerId="ADAL" clId="{25D6B001-0A20-4A29-B0B1-18B31B56A9D8}" dt="2023-12-26T18:08:54.996" v="5" actId="478"/>
+          <ac:picMkLst>
+            <pc:docMk/>
+            <pc:sldMk cId="2974901428" sldId="256"/>
+            <ac:picMk id="20" creationId="{8C37D1CA-C469-475C-B7D9-80D2FCCF615B}"/>
+          </ac:picMkLst>
+        </pc:picChg>
+      </pc:sldChg>
+    </pc:docChg>
+  </pc:docChgLst>
+</pc:chgInfo>
 </file>
 
 <file path=ppt/slideLayouts/slideLayout1.xml><?xml version="1.0" encoding="utf-8"?>
@@ -254,7 +336,7 @@
           <a:p>
             <a:fld id="{56691E28-6A6E-4BFC-93D0-D045D623732F}" type="datetimeFigureOut">
               <a:rPr lang="en-US" smtClean="0"/>
-              <a:t>12/23/2019</a:t>
+              <a:t>12/26/2023</a:t>
             </a:fld>
             <a:endParaRPr lang="en-US"/>
           </a:p>
@@ -452,7 +534,7 @@
           <a:p>
             <a:fld id="{56691E28-6A6E-4BFC-93D0-D045D623732F}" type="datetimeFigureOut">
               <a:rPr lang="en-US" smtClean="0"/>
-              <a:t>12/23/2019</a:t>
+              <a:t>12/26/2023</a:t>
             </a:fld>
             <a:endParaRPr lang="en-US"/>
           </a:p>
@@ -660,7 +742,7 @@
           <a:p>
             <a:fld id="{56691E28-6A6E-4BFC-93D0-D045D623732F}" type="datetimeFigureOut">
               <a:rPr lang="en-US" smtClean="0"/>
-              <a:t>12/23/2019</a:t>
+              <a:t>12/26/2023</a:t>
             </a:fld>
             <a:endParaRPr lang="en-US"/>
           </a:p>
@@ -858,7 +940,7 @@
           <a:p>
             <a:fld id="{56691E28-6A6E-4BFC-93D0-D045D623732F}" type="datetimeFigureOut">
               <a:rPr lang="en-US" smtClean="0"/>
-              <a:t>12/23/2019</a:t>
+              <a:t>12/26/2023</a:t>
             </a:fld>
             <a:endParaRPr lang="en-US"/>
           </a:p>
@@ -1133,7 +1215,7 @@
           <a:p>
             <a:fld id="{56691E28-6A6E-4BFC-93D0-D045D623732F}" type="datetimeFigureOut">
               <a:rPr lang="en-US" smtClean="0"/>
-              <a:t>12/23/2019</a:t>
+              <a:t>12/26/2023</a:t>
             </a:fld>
             <a:endParaRPr lang="en-US"/>
           </a:p>
@@ -1398,7 +1480,7 @@
           <a:p>
             <a:fld id="{56691E28-6A6E-4BFC-93D0-D045D623732F}" type="datetimeFigureOut">
               <a:rPr lang="en-US" smtClean="0"/>
-              <a:t>12/23/2019</a:t>
+              <a:t>12/26/2023</a:t>
             </a:fld>
             <a:endParaRPr lang="en-US"/>
           </a:p>
@@ -1810,7 +1892,7 @@
           <a:p>
             <a:fld id="{56691E28-6A6E-4BFC-93D0-D045D623732F}" type="datetimeFigureOut">
               <a:rPr lang="en-US" smtClean="0"/>
-              <a:t>12/23/2019</a:t>
+              <a:t>12/26/2023</a:t>
             </a:fld>
             <a:endParaRPr lang="en-US"/>
           </a:p>
@@ -1951,7 +2033,7 @@
           <a:p>
             <a:fld id="{56691E28-6A6E-4BFC-93D0-D045D623732F}" type="datetimeFigureOut">
               <a:rPr lang="en-US" smtClean="0"/>
-              <a:t>12/23/2019</a:t>
+              <a:t>12/26/2023</a:t>
             </a:fld>
             <a:endParaRPr lang="en-US"/>
           </a:p>
@@ -2064,7 +2146,7 @@
           <a:p>
             <a:fld id="{56691E28-6A6E-4BFC-93D0-D045D623732F}" type="datetimeFigureOut">
               <a:rPr lang="en-US" smtClean="0"/>
-              <a:t>12/23/2019</a:t>
+              <a:t>12/26/2023</a:t>
             </a:fld>
             <a:endParaRPr lang="en-US"/>
           </a:p>
@@ -2375,7 +2457,7 @@
           <a:p>
             <a:fld id="{56691E28-6A6E-4BFC-93D0-D045D623732F}" type="datetimeFigureOut">
               <a:rPr lang="en-US" smtClean="0"/>
-              <a:t>12/23/2019</a:t>
+              <a:t>12/26/2023</a:t>
             </a:fld>
             <a:endParaRPr lang="en-US"/>
           </a:p>
@@ -2663,7 +2745,7 @@
           <a:p>
             <a:fld id="{56691E28-6A6E-4BFC-93D0-D045D623732F}" type="datetimeFigureOut">
               <a:rPr lang="en-US" smtClean="0"/>
-              <a:t>12/23/2019</a:t>
+              <a:t>12/26/2023</a:t>
             </a:fld>
             <a:endParaRPr lang="en-US"/>
           </a:p>
@@ -2904,7 +2986,7 @@
           <a:p>
             <a:fld id="{56691E28-6A6E-4BFC-93D0-D045D623732F}" type="datetimeFigureOut">
               <a:rPr lang="en-US" smtClean="0"/>
-              <a:t>12/23/2019</a:t>
+              <a:t>12/26/2023</a:t>
             </a:fld>
             <a:endParaRPr lang="en-US"/>
           </a:p>
@@ -3321,12 +3403,104 @@
           <a:chExt cx="0" cy="0"/>
         </a:xfrm>
       </p:grpSpPr>
+      <p:pic>
+        <p:nvPicPr>
+          <p:cNvPr id="3" name="Picture 2" descr="A close-up of a document&#10;&#10;Description automatically generated">
+            <a:extLst>
+              <a:ext uri="{FF2B5EF4-FFF2-40B4-BE49-F238E27FC236}">
+                <a16:creationId xmlns:a16="http://schemas.microsoft.com/office/drawing/2014/main" id="{BFE0E098-5F5B-510E-7862-46A4B88AA984}"/>
+              </a:ext>
+            </a:extLst>
+          </p:cNvPr>
+          <p:cNvPicPr>
+            <a:picLocks noChangeAspect="1"/>
+          </p:cNvPicPr>
+          <p:nvPr/>
+        </p:nvPicPr>
+        <p:blipFill>
+          <a:blip r:embed="rId2">
+            <a:extLst>
+              <a:ext uri="{28A0092B-C50C-407E-A947-70E740481C1C}">
+                <a14:useLocalDpi xmlns:a14="http://schemas.microsoft.com/office/drawing/2010/main" val="0"/>
+              </a:ext>
+            </a:extLst>
+          </a:blip>
+          <a:stretch>
+            <a:fillRect/>
+          </a:stretch>
+        </p:blipFill>
+        <p:spPr>
+          <a:xfrm>
+            <a:off x="3669082" y="0"/>
+            <a:ext cx="4853836" cy="6858000"/>
+          </a:xfrm>
+          <a:prstGeom prst="rect">
+            <a:avLst/>
+          </a:prstGeom>
+        </p:spPr>
+      </p:pic>
+      <p:sp>
+        <p:nvSpPr>
+          <p:cNvPr id="6" name="Rectangle 5">
+            <a:extLst>
+              <a:ext uri="{FF2B5EF4-FFF2-40B4-BE49-F238E27FC236}">
+                <a16:creationId xmlns:a16="http://schemas.microsoft.com/office/drawing/2014/main" id="{AB3912F3-FBD9-41AD-9FFA-64B762B6280B}"/>
+              </a:ext>
+            </a:extLst>
+          </p:cNvPr>
+          <p:cNvSpPr/>
+          <p:nvPr/>
+        </p:nvSpPr>
+        <p:spPr>
+          <a:xfrm rot="18542215">
+            <a:off x="3060000" y="3094206"/>
+            <a:ext cx="6092901" cy="1015663"/>
+          </a:xfrm>
+          <a:prstGeom prst="rect">
+            <a:avLst/>
+          </a:prstGeom>
+          <a:noFill/>
+          <a:ln>
+            <a:noFill/>
+          </a:ln>
+        </p:spPr>
+        <p:txBody>
+          <a:bodyPr wrap="square" lIns="91440" tIns="45720" rIns="91440" bIns="45720">
+            <a:spAutoFit/>
+            <a:scene3d>
+              <a:camera prst="orthographicFront"/>
+              <a:lightRig rig="threePt" dir="t"/>
+            </a:scene3d>
+            <a:sp3d extrusionH="57150">
+              <a:bevelT w="38100" h="38100" prst="slope"/>
+            </a:sp3d>
+          </a:bodyPr>
+          <a:lstStyle/>
+          <a:p>
+            <a:pPr algn="ctr"/>
+            <a:r>
+              <a:rPr lang="en-US" sz="6000" b="0" cap="none" spc="0" dirty="0">
+                <a:ln w="0"/>
+                <a:solidFill>
+                  <a:schemeClr val="tx1">
+                    <a:lumMod val="50000"/>
+                    <a:lumOff val="50000"/>
+                    <a:alpha val="30000"/>
+                  </a:schemeClr>
+                </a:solidFill>
+                <a:effectLst/>
+              </a:rPr>
+              <a:t>BBMP watermark</a:t>
+            </a:r>
+          </a:p>
+        </p:txBody>
+      </p:sp>
       <p:grpSp>
         <p:nvGrpSpPr>
-          <p:cNvPr id="21" name="Group 20">
-            <a:extLst>
-              <a:ext uri="{FF2B5EF4-FFF2-40B4-BE49-F238E27FC236}">
-                <a16:creationId xmlns:a16="http://schemas.microsoft.com/office/drawing/2014/main" id="{DA5043F5-9256-4D4C-98BA-1E8C07D313A4}"/>
+          <p:cNvPr id="7" name="Group 6">
+            <a:extLst>
+              <a:ext uri="{FF2B5EF4-FFF2-40B4-BE49-F238E27FC236}">
+                <a16:creationId xmlns:a16="http://schemas.microsoft.com/office/drawing/2014/main" id="{FE91F3CA-E421-0E0A-ACB9-F67FCBE6F01B}"/>
               </a:ext>
             </a:extLst>
           </p:cNvPr>
@@ -3335,18 +3509,18 @@
         </p:nvGrpSpPr>
         <p:grpSpPr>
           <a:xfrm>
-            <a:off x="3679352" y="0"/>
-            <a:ext cx="4833295" cy="6858000"/>
-            <a:chOff x="3679352" y="0"/>
-            <a:chExt cx="4833295" cy="6858000"/>
+            <a:off x="3669082" y="-9525"/>
+            <a:ext cx="4853836" cy="6858000"/>
+            <a:chOff x="3669082" y="-9525"/>
+            <a:chExt cx="4853836" cy="6858000"/>
           </a:xfrm>
         </p:grpSpPr>
         <p:pic>
           <p:nvPicPr>
-            <p:cNvPr id="20" name="Picture 19" descr="A screenshot of a cell phone&#10;&#10;Description automatically generated">
+            <p:cNvPr id="4" name="Picture 3" descr="A close-up of a document&#10;&#10;Description automatically generated">
               <a:extLst>
                 <a:ext uri="{FF2B5EF4-FFF2-40B4-BE49-F238E27FC236}">
-                  <a16:creationId xmlns:a16="http://schemas.microsoft.com/office/drawing/2014/main" id="{8C37D1CA-C469-475C-B7D9-80D2FCCF615B}"/>
+                  <a16:creationId xmlns:a16="http://schemas.microsoft.com/office/drawing/2014/main" id="{941377C5-4688-DDEF-4802-6AE0005AC2D9}"/>
                 </a:ext>
               </a:extLst>
             </p:cNvPr>
@@ -3369,8 +3543,8 @@
           </p:blipFill>
           <p:spPr>
             <a:xfrm>
-              <a:off x="3679352" y="0"/>
-              <a:ext cx="4833295" cy="6858000"/>
+              <a:off x="3669082" y="-9525"/>
+              <a:ext cx="4853836" cy="6858000"/>
             </a:xfrm>
             <a:prstGeom prst="rect">
               <a:avLst/>
@@ -3379,10 +3553,10 @@
         </p:pic>
         <p:sp>
           <p:nvSpPr>
-            <p:cNvPr id="6" name="Rectangle 5">
+            <p:cNvPr id="5" name="Rectangle 4">
               <a:extLst>
                 <a:ext uri="{FF2B5EF4-FFF2-40B4-BE49-F238E27FC236}">
-                  <a16:creationId xmlns:a16="http://schemas.microsoft.com/office/drawing/2014/main" id="{AB3912F3-FBD9-41AD-9FFA-64B762B6280B}"/>
+                  <a16:creationId xmlns:a16="http://schemas.microsoft.com/office/drawing/2014/main" id="{F2868E6F-6513-E4BB-F70F-7623D609F378}"/>
                 </a:ext>
               </a:extLst>
             </p:cNvPr>
@@ -3391,8 +3565,8 @@
           </p:nvSpPr>
           <p:spPr>
             <a:xfrm rot="18542215">
-              <a:off x="3060000" y="3171150"/>
-              <a:ext cx="6092901" cy="861774"/>
+              <a:off x="3060000" y="3084681"/>
+              <a:ext cx="6092901" cy="1015663"/>
             </a:xfrm>
             <a:prstGeom prst="rect">
               <a:avLst/>
@@ -3417,7 +3591,7 @@
             <a:p>
               <a:pPr algn="ctr"/>
               <a:r>
-                <a:rPr lang="en-US" sz="5000" b="0" cap="none" spc="0" dirty="0">
+                <a:rPr lang="en-US" sz="6000" b="0" cap="none" spc="0" dirty="0">
                   <a:ln w="0"/>
                   <a:solidFill>
                     <a:schemeClr val="tx1">
@@ -3740,4 +3914,10 @@
     </a:ext>
   </a:extLst>
 </a:theme>
+</file>
+
+<file path=docMetadata/LabelInfo.xml><?xml version="1.0" encoding="utf-8"?>
+<clbl:labelList xmlns:clbl="http://schemas.microsoft.com/office/2020/mipLabelMetadata">
+  <clbl:label id="{c135c4ba-2280-41f8-be7d-6f21d368baa3}" enabled="1" method="Standard" siteId="{24139d14-c62c-4c47-8bdd-ce71ea1d50cf}" removed="0"/>
+</clbl:labelList>
 </file>